--- a/2.pptx
+++ b/2.pptx
@@ -238,7 +238,8 @@
           <a:p>
             <a:fld id="{63A1C593-65D0-4073-BCC9-577B9352EA97}" type="datetimeFigureOut">
               <a:rPr lang="en-US" smtClean="0"/>
-              <a:t>11/27/2015</a:t>
+              <a:pPr/>
+              <a:t>10/22/2019</a:t>
             </a:fld>
             <a:endParaRPr lang="en-US"/>
           </a:p>
@@ -280,6 +281,7 @@
           <a:p>
             <a:fld id="{9B618960-8005-486C-9A75-10CB2AAC16F9}" type="slidenum">
               <a:rPr lang="en-US" smtClean="0"/>
+              <a:pPr/>
               <a:t>‹#›</a:t>
             </a:fld>
             <a:endParaRPr lang="en-US"/>
@@ -289,7 +291,7 @@
     </p:spTree>
     <p:extLst>
       <p:ext uri="{BB962C8B-B14F-4D97-AF65-F5344CB8AC3E}">
-        <p14:creationId xmlns:p14="http://schemas.microsoft.com/office/powerpoint/2010/main" val="4001249340"/>
+        <p14:creationId xmlns:p14="http://schemas.microsoft.com/office/powerpoint/2010/main" xmlns="" val="4001249340"/>
       </p:ext>
     </p:extLst>
   </p:cSld>
@@ -408,7 +410,8 @@
           <a:p>
             <a:fld id="{63A1C593-65D0-4073-BCC9-577B9352EA97}" type="datetimeFigureOut">
               <a:rPr lang="en-US" smtClean="0"/>
-              <a:t>11/27/2015</a:t>
+              <a:pPr/>
+              <a:t>10/22/2019</a:t>
             </a:fld>
             <a:endParaRPr lang="en-US"/>
           </a:p>
@@ -450,6 +453,7 @@
           <a:p>
             <a:fld id="{9B618960-8005-486C-9A75-10CB2AAC16F9}" type="slidenum">
               <a:rPr lang="en-US" smtClean="0"/>
+              <a:pPr/>
               <a:t>‹#›</a:t>
             </a:fld>
             <a:endParaRPr lang="en-US"/>
@@ -459,7 +463,7 @@
     </p:spTree>
     <p:extLst>
       <p:ext uri="{BB962C8B-B14F-4D97-AF65-F5344CB8AC3E}">
-        <p14:creationId xmlns:p14="http://schemas.microsoft.com/office/powerpoint/2010/main" val="682560079"/>
+        <p14:creationId xmlns:p14="http://schemas.microsoft.com/office/powerpoint/2010/main" xmlns="" val="682560079"/>
       </p:ext>
     </p:extLst>
   </p:cSld>
@@ -588,7 +592,8 @@
           <a:p>
             <a:fld id="{63A1C593-65D0-4073-BCC9-577B9352EA97}" type="datetimeFigureOut">
               <a:rPr lang="en-US" smtClean="0"/>
-              <a:t>11/27/2015</a:t>
+              <a:pPr/>
+              <a:t>10/22/2019</a:t>
             </a:fld>
             <a:endParaRPr lang="en-US"/>
           </a:p>
@@ -630,6 +635,7 @@
           <a:p>
             <a:fld id="{9B618960-8005-486C-9A75-10CB2AAC16F9}" type="slidenum">
               <a:rPr lang="en-US" smtClean="0"/>
+              <a:pPr/>
               <a:t>‹#›</a:t>
             </a:fld>
             <a:endParaRPr lang="en-US"/>
@@ -639,7 +645,7 @@
     </p:spTree>
     <p:extLst>
       <p:ext uri="{BB962C8B-B14F-4D97-AF65-F5344CB8AC3E}">
-        <p14:creationId xmlns:p14="http://schemas.microsoft.com/office/powerpoint/2010/main" val="3435286789"/>
+        <p14:creationId xmlns:p14="http://schemas.microsoft.com/office/powerpoint/2010/main" xmlns="" val="3435286789"/>
       </p:ext>
     </p:extLst>
   </p:cSld>
@@ -758,7 +764,8 @@
           <a:p>
             <a:fld id="{63A1C593-65D0-4073-BCC9-577B9352EA97}" type="datetimeFigureOut">
               <a:rPr lang="en-US" smtClean="0"/>
-              <a:t>11/27/2015</a:t>
+              <a:pPr/>
+              <a:t>10/22/2019</a:t>
             </a:fld>
             <a:endParaRPr lang="en-US"/>
           </a:p>
@@ -800,6 +807,7 @@
           <a:p>
             <a:fld id="{9B618960-8005-486C-9A75-10CB2AAC16F9}" type="slidenum">
               <a:rPr lang="en-US" smtClean="0"/>
+              <a:pPr/>
               <a:t>‹#›</a:t>
             </a:fld>
             <a:endParaRPr lang="en-US"/>
@@ -809,7 +817,7 @@
     </p:spTree>
     <p:extLst>
       <p:ext uri="{BB962C8B-B14F-4D97-AF65-F5344CB8AC3E}">
-        <p14:creationId xmlns:p14="http://schemas.microsoft.com/office/powerpoint/2010/main" val="140206455"/>
+        <p14:creationId xmlns:p14="http://schemas.microsoft.com/office/powerpoint/2010/main" xmlns="" val="140206455"/>
       </p:ext>
     </p:extLst>
   </p:cSld>
@@ -1004,7 +1012,8 @@
           <a:p>
             <a:fld id="{63A1C593-65D0-4073-BCC9-577B9352EA97}" type="datetimeFigureOut">
               <a:rPr lang="en-US" smtClean="0"/>
-              <a:t>11/27/2015</a:t>
+              <a:pPr/>
+              <a:t>10/22/2019</a:t>
             </a:fld>
             <a:endParaRPr lang="en-US"/>
           </a:p>
@@ -1046,6 +1055,7 @@
           <a:p>
             <a:fld id="{9B618960-8005-486C-9A75-10CB2AAC16F9}" type="slidenum">
               <a:rPr lang="en-US" smtClean="0"/>
+              <a:pPr/>
               <a:t>‹#›</a:t>
             </a:fld>
             <a:endParaRPr lang="en-US"/>
@@ -1055,7 +1065,7 @@
     </p:spTree>
     <p:extLst>
       <p:ext uri="{BB962C8B-B14F-4D97-AF65-F5344CB8AC3E}">
-        <p14:creationId xmlns:p14="http://schemas.microsoft.com/office/powerpoint/2010/main" val="1965547352"/>
+        <p14:creationId xmlns:p14="http://schemas.microsoft.com/office/powerpoint/2010/main" xmlns="" val="1965547352"/>
       </p:ext>
     </p:extLst>
   </p:cSld>
@@ -1236,7 +1246,8 @@
           <a:p>
             <a:fld id="{63A1C593-65D0-4073-BCC9-577B9352EA97}" type="datetimeFigureOut">
               <a:rPr lang="en-US" smtClean="0"/>
-              <a:t>11/27/2015</a:t>
+              <a:pPr/>
+              <a:t>10/22/2019</a:t>
             </a:fld>
             <a:endParaRPr lang="en-US"/>
           </a:p>
@@ -1278,6 +1289,7 @@
           <a:p>
             <a:fld id="{9B618960-8005-486C-9A75-10CB2AAC16F9}" type="slidenum">
               <a:rPr lang="en-US" smtClean="0"/>
+              <a:pPr/>
               <a:t>‹#›</a:t>
             </a:fld>
             <a:endParaRPr lang="en-US"/>
@@ -1287,7 +1299,7 @@
     </p:spTree>
     <p:extLst>
       <p:ext uri="{BB962C8B-B14F-4D97-AF65-F5344CB8AC3E}">
-        <p14:creationId xmlns:p14="http://schemas.microsoft.com/office/powerpoint/2010/main" val="2375149612"/>
+        <p14:creationId xmlns:p14="http://schemas.microsoft.com/office/powerpoint/2010/main" xmlns="" val="2375149612"/>
       </p:ext>
     </p:extLst>
   </p:cSld>
@@ -1603,7 +1615,8 @@
           <a:p>
             <a:fld id="{63A1C593-65D0-4073-BCC9-577B9352EA97}" type="datetimeFigureOut">
               <a:rPr lang="en-US" smtClean="0"/>
-              <a:t>11/27/2015</a:t>
+              <a:pPr/>
+              <a:t>10/22/2019</a:t>
             </a:fld>
             <a:endParaRPr lang="en-US"/>
           </a:p>
@@ -1645,6 +1658,7 @@
           <a:p>
             <a:fld id="{9B618960-8005-486C-9A75-10CB2AAC16F9}" type="slidenum">
               <a:rPr lang="en-US" smtClean="0"/>
+              <a:pPr/>
               <a:t>‹#›</a:t>
             </a:fld>
             <a:endParaRPr lang="en-US"/>
@@ -1654,7 +1668,7 @@
     </p:spTree>
     <p:extLst>
       <p:ext uri="{BB962C8B-B14F-4D97-AF65-F5344CB8AC3E}">
-        <p14:creationId xmlns:p14="http://schemas.microsoft.com/office/powerpoint/2010/main" val="412943597"/>
+        <p14:creationId xmlns:p14="http://schemas.microsoft.com/office/powerpoint/2010/main" xmlns="" val="412943597"/>
       </p:ext>
     </p:extLst>
   </p:cSld>
@@ -1721,7 +1735,8 @@
           <a:p>
             <a:fld id="{63A1C593-65D0-4073-BCC9-577B9352EA97}" type="datetimeFigureOut">
               <a:rPr lang="en-US" smtClean="0"/>
-              <a:t>11/27/2015</a:t>
+              <a:pPr/>
+              <a:t>10/22/2019</a:t>
             </a:fld>
             <a:endParaRPr lang="en-US"/>
           </a:p>
@@ -1763,6 +1778,7 @@
           <a:p>
             <a:fld id="{9B618960-8005-486C-9A75-10CB2AAC16F9}" type="slidenum">
               <a:rPr lang="en-US" smtClean="0"/>
+              <a:pPr/>
               <a:t>‹#›</a:t>
             </a:fld>
             <a:endParaRPr lang="en-US"/>
@@ -1772,7 +1788,7 @@
     </p:spTree>
     <p:extLst>
       <p:ext uri="{BB962C8B-B14F-4D97-AF65-F5344CB8AC3E}">
-        <p14:creationId xmlns:p14="http://schemas.microsoft.com/office/powerpoint/2010/main" val="3558084423"/>
+        <p14:creationId xmlns:p14="http://schemas.microsoft.com/office/powerpoint/2010/main" xmlns="" val="3558084423"/>
       </p:ext>
     </p:extLst>
   </p:cSld>
@@ -1816,7 +1832,8 @@
           <a:p>
             <a:fld id="{63A1C593-65D0-4073-BCC9-577B9352EA97}" type="datetimeFigureOut">
               <a:rPr lang="en-US" smtClean="0"/>
-              <a:t>11/27/2015</a:t>
+              <a:pPr/>
+              <a:t>10/22/2019</a:t>
             </a:fld>
             <a:endParaRPr lang="en-US"/>
           </a:p>
@@ -1858,6 +1875,7 @@
           <a:p>
             <a:fld id="{9B618960-8005-486C-9A75-10CB2AAC16F9}" type="slidenum">
               <a:rPr lang="en-US" smtClean="0"/>
+              <a:pPr/>
               <a:t>‹#›</a:t>
             </a:fld>
             <a:endParaRPr lang="en-US"/>
@@ -1867,7 +1885,7 @@
     </p:spTree>
     <p:extLst>
       <p:ext uri="{BB962C8B-B14F-4D97-AF65-F5344CB8AC3E}">
-        <p14:creationId xmlns:p14="http://schemas.microsoft.com/office/powerpoint/2010/main" val="2454063194"/>
+        <p14:creationId xmlns:p14="http://schemas.microsoft.com/office/powerpoint/2010/main" xmlns="" val="2454063194"/>
       </p:ext>
     </p:extLst>
   </p:cSld>
@@ -2093,7 +2111,8 @@
           <a:p>
             <a:fld id="{63A1C593-65D0-4073-BCC9-577B9352EA97}" type="datetimeFigureOut">
               <a:rPr lang="en-US" smtClean="0"/>
-              <a:t>11/27/2015</a:t>
+              <a:pPr/>
+              <a:t>10/22/2019</a:t>
             </a:fld>
             <a:endParaRPr lang="en-US"/>
           </a:p>
@@ -2135,6 +2154,7 @@
           <a:p>
             <a:fld id="{9B618960-8005-486C-9A75-10CB2AAC16F9}" type="slidenum">
               <a:rPr lang="en-US" smtClean="0"/>
+              <a:pPr/>
               <a:t>‹#›</a:t>
             </a:fld>
             <a:endParaRPr lang="en-US"/>
@@ -2144,7 +2164,7 @@
     </p:spTree>
     <p:extLst>
       <p:ext uri="{BB962C8B-B14F-4D97-AF65-F5344CB8AC3E}">
-        <p14:creationId xmlns:p14="http://schemas.microsoft.com/office/powerpoint/2010/main" val="3300537932"/>
+        <p14:creationId xmlns:p14="http://schemas.microsoft.com/office/powerpoint/2010/main" xmlns="" val="3300537932"/>
       </p:ext>
     </p:extLst>
   </p:cSld>
@@ -2346,7 +2366,8 @@
           <a:p>
             <a:fld id="{63A1C593-65D0-4073-BCC9-577B9352EA97}" type="datetimeFigureOut">
               <a:rPr lang="en-US" smtClean="0"/>
-              <a:t>11/27/2015</a:t>
+              <a:pPr/>
+              <a:t>10/22/2019</a:t>
             </a:fld>
             <a:endParaRPr lang="en-US"/>
           </a:p>
@@ -2388,6 +2409,7 @@
           <a:p>
             <a:fld id="{9B618960-8005-486C-9A75-10CB2AAC16F9}" type="slidenum">
               <a:rPr lang="en-US" smtClean="0"/>
+              <a:pPr/>
               <a:t>‹#›</a:t>
             </a:fld>
             <a:endParaRPr lang="en-US"/>
@@ -2397,7 +2419,7 @@
     </p:spTree>
     <p:extLst>
       <p:ext uri="{BB962C8B-B14F-4D97-AF65-F5344CB8AC3E}">
-        <p14:creationId xmlns:p14="http://schemas.microsoft.com/office/powerpoint/2010/main" val="585876398"/>
+        <p14:creationId xmlns:p14="http://schemas.microsoft.com/office/powerpoint/2010/main" xmlns="" val="585876398"/>
       </p:ext>
     </p:extLst>
   </p:cSld>
@@ -2559,7 +2581,8 @@
           <a:p>
             <a:fld id="{63A1C593-65D0-4073-BCC9-577B9352EA97}" type="datetimeFigureOut">
               <a:rPr lang="en-US" smtClean="0"/>
-              <a:t>11/27/2015</a:t>
+              <a:pPr/>
+              <a:t>10/22/2019</a:t>
             </a:fld>
             <a:endParaRPr lang="en-US"/>
           </a:p>
@@ -2637,6 +2660,7 @@
           <a:p>
             <a:fld id="{9B618960-8005-486C-9A75-10CB2AAC16F9}" type="slidenum">
               <a:rPr lang="en-US" smtClean="0"/>
+              <a:pPr/>
               <a:t>‹#›</a:t>
             </a:fld>
             <a:endParaRPr lang="en-US"/>
@@ -2646,7 +2670,7 @@
     </p:spTree>
     <p:extLst>
       <p:ext uri="{BB962C8B-B14F-4D97-AF65-F5344CB8AC3E}">
-        <p14:creationId xmlns:p14="http://schemas.microsoft.com/office/powerpoint/2010/main" val="3597300896"/>
+        <p14:creationId xmlns:p14="http://schemas.microsoft.com/office/powerpoint/2010/main" xmlns="" val="3597300896"/>
       </p:ext>
     </p:extLst>
   </p:cSld>
@@ -3002,10 +3026,34 @@
           </a:p>
         </p:txBody>
       </p:sp>
+      <p:pic>
+        <p:nvPicPr>
+          <p:cNvPr id="4" name="Picture 3" descr="Messi.png"/>
+          <p:cNvPicPr>
+            <a:picLocks noChangeAspect="1"/>
+          </p:cNvPicPr>
+          <p:nvPr/>
+        </p:nvPicPr>
+        <p:blipFill>
+          <a:blip r:embed="rId2"/>
+          <a:stretch>
+            <a:fillRect/>
+          </a:stretch>
+        </p:blipFill>
+        <p:spPr>
+          <a:xfrm>
+            <a:off x="0" y="0"/>
+            <a:ext cx="12191999" cy="6858000"/>
+          </a:xfrm>
+          <a:prstGeom prst="rect">
+            <a:avLst/>
+          </a:prstGeom>
+        </p:spPr>
+      </p:pic>
     </p:spTree>
     <p:extLst>
       <p:ext uri="{BB962C8B-B14F-4D97-AF65-F5344CB8AC3E}">
-        <p14:creationId xmlns:p14="http://schemas.microsoft.com/office/powerpoint/2010/main" val="3072013332"/>
+        <p14:creationId xmlns:p14="http://schemas.microsoft.com/office/powerpoint/2010/main" xmlns="" val="3072013332"/>
       </p:ext>
     </p:extLst>
   </p:cSld>
@@ -3058,7 +3106,7 @@
     </a:clrScheme>
     <a:fontScheme name="Office">
       <a:majorFont>
-        <a:latin typeface="Calibri Light" panose="020F0302020204030204"/>
+        <a:latin typeface="Calibri Light"/>
         <a:ea typeface=""/>
         <a:cs typeface=""/>
         <a:font script="Jpan" typeface="ＭＳ Ｐゴシック"/>
@@ -3093,7 +3141,7 @@
         <a:font script="Geor" typeface="Sylfaen"/>
       </a:majorFont>
       <a:minorFont>
-        <a:latin typeface="Calibri" panose="020F0502020204030204"/>
+        <a:latin typeface="Calibri"/>
         <a:ea typeface=""/>
         <a:cs typeface=""/>
         <a:font script="Jpan" typeface="ＭＳ Ｐゴシック"/>
@@ -3270,7 +3318,7 @@
   <a:extraClrSchemeLst/>
   <a:extLst>
     <a:ext uri="{05A4C25C-085E-4340-85A3-A5531E510DB2}">
-      <thm15:themeFamily xmlns:thm15="http://schemas.microsoft.com/office/thememl/2012/main" name="Office Theme" id="{62F939B6-93AF-4DB8-9C6B-D6C7DFDC589F}" vid="{4A3C46E8-61CC-4603-A589-7422A47A8E4A}"/>
+      <thm15:themeFamily xmlns:thm15="http://schemas.microsoft.com/office/thememl/2012/main" xmlns="" name="Office Theme" id="{62F939B6-93AF-4DB8-9C6B-D6C7DFDC589F}" vid="{4A3C46E8-61CC-4603-A589-7422A47A8E4A}"/>
     </a:ext>
   </a:extLst>
 </a:theme>
